--- a/Paper_Prototyp.pptx
+++ b/Paper_Prototyp.pptx
@@ -109,6 +109,11 @@
       </a:defRPr>
     </a:lvl9pPr>
   </p:defaultTextStyle>
+  <p:extLst>
+    <p:ext uri="{EFAFB233-063F-42B5-8137-9DF3F51BA10A}">
+      <p15:sldGuideLst xmlns:p15="http://schemas.microsoft.com/office/powerpoint/2012/main"/>
+    </p:ext>
+  </p:extLst>
 </p:presentation>
 </file>
 
@@ -7990,6 +7995,249 @@
           </a:p>
         </p:txBody>
       </p:sp>
+      <p:sp>
+        <p:nvSpPr>
+          <p:cNvPr id="34" name="Rechteck 33">
+            <a:extLst>
+              <a:ext uri="{FF2B5EF4-FFF2-40B4-BE49-F238E27FC236}">
+                <a16:creationId xmlns:a16="http://schemas.microsoft.com/office/drawing/2014/main" id="{AABC3EAC-6A6C-40D0-BEAA-DD19B954A18A}"/>
+              </a:ext>
+            </a:extLst>
+          </p:cNvPr>
+          <p:cNvSpPr/>
+          <p:nvPr/>
+        </p:nvSpPr>
+        <p:spPr>
+          <a:xfrm>
+            <a:off x="7281937" y="3742479"/>
+            <a:ext cx="373915" cy="308744"/>
+          </a:xfrm>
+          <a:prstGeom prst="rect">
+            <a:avLst/>
+          </a:prstGeom>
+        </p:spPr>
+        <p:style>
+          <a:lnRef idx="2">
+            <a:schemeClr val="accent1">
+              <a:shade val="50000"/>
+            </a:schemeClr>
+          </a:lnRef>
+          <a:fillRef idx="1">
+            <a:schemeClr val="accent1"/>
+          </a:fillRef>
+          <a:effectRef idx="0">
+            <a:schemeClr val="accent1"/>
+          </a:effectRef>
+          <a:fontRef idx="minor">
+            <a:schemeClr val="lt1"/>
+          </a:fontRef>
+        </p:style>
+        <p:txBody>
+          <a:bodyPr rtlCol="0" anchor="ctr"/>
+          <a:lstStyle/>
+          <a:p>
+            <a:pPr algn="ctr"/>
+            <a:endParaRPr lang="de-DE" dirty="0"/>
+          </a:p>
+        </p:txBody>
+      </p:sp>
+      <p:sp>
+        <p:nvSpPr>
+          <p:cNvPr id="39" name="Textfeld 38">
+            <a:extLst>
+              <a:ext uri="{FF2B5EF4-FFF2-40B4-BE49-F238E27FC236}">
+                <a16:creationId xmlns:a16="http://schemas.microsoft.com/office/drawing/2014/main" id="{C6E776A9-8296-41FF-8DBC-1FCC1C25DD29}"/>
+              </a:ext>
+            </a:extLst>
+          </p:cNvPr>
+          <p:cNvSpPr txBox="1"/>
+          <p:nvPr/>
+        </p:nvSpPr>
+        <p:spPr>
+          <a:xfrm>
+            <a:off x="7333314" y="3751463"/>
+            <a:ext cx="337917" cy="307777"/>
+          </a:xfrm>
+          <a:prstGeom prst="rect">
+            <a:avLst/>
+          </a:prstGeom>
+          <a:noFill/>
+        </p:spPr>
+        <p:txBody>
+          <a:bodyPr wrap="square" rtlCol="0">
+            <a:spAutoFit/>
+          </a:bodyPr>
+          <a:lstStyle/>
+          <a:p>
+            <a:r>
+              <a:rPr lang="de-DE" sz="1400" dirty="0"/>
+              <a:t>X</a:t>
+            </a:r>
+          </a:p>
+        </p:txBody>
+      </p:sp>
+      <p:sp>
+        <p:nvSpPr>
+          <p:cNvPr id="40" name="Rechteck 39">
+            <a:extLst>
+              <a:ext uri="{FF2B5EF4-FFF2-40B4-BE49-F238E27FC236}">
+                <a16:creationId xmlns:a16="http://schemas.microsoft.com/office/drawing/2014/main" id="{46AC4A92-10AA-4AC9-B9A4-C5F57A519180}"/>
+              </a:ext>
+            </a:extLst>
+          </p:cNvPr>
+          <p:cNvSpPr/>
+          <p:nvPr/>
+        </p:nvSpPr>
+        <p:spPr>
+          <a:xfrm>
+            <a:off x="7337803" y="5727703"/>
+            <a:ext cx="373915" cy="308744"/>
+          </a:xfrm>
+          <a:prstGeom prst="rect">
+            <a:avLst/>
+          </a:prstGeom>
+        </p:spPr>
+        <p:style>
+          <a:lnRef idx="2">
+            <a:schemeClr val="accent1">
+              <a:shade val="50000"/>
+            </a:schemeClr>
+          </a:lnRef>
+          <a:fillRef idx="1">
+            <a:schemeClr val="accent1"/>
+          </a:fillRef>
+          <a:effectRef idx="0">
+            <a:schemeClr val="accent1"/>
+          </a:effectRef>
+          <a:fontRef idx="minor">
+            <a:schemeClr val="lt1"/>
+          </a:fontRef>
+        </p:style>
+        <p:txBody>
+          <a:bodyPr rtlCol="0" anchor="ctr"/>
+          <a:lstStyle/>
+          <a:p>
+            <a:pPr algn="ctr"/>
+            <a:endParaRPr lang="de-DE" dirty="0"/>
+          </a:p>
+        </p:txBody>
+      </p:sp>
+      <p:sp>
+        <p:nvSpPr>
+          <p:cNvPr id="41" name="Textfeld 40">
+            <a:extLst>
+              <a:ext uri="{FF2B5EF4-FFF2-40B4-BE49-F238E27FC236}">
+                <a16:creationId xmlns:a16="http://schemas.microsoft.com/office/drawing/2014/main" id="{0C3C1E58-B716-460D-8866-8CA04079220F}"/>
+              </a:ext>
+            </a:extLst>
+          </p:cNvPr>
+          <p:cNvSpPr txBox="1"/>
+          <p:nvPr/>
+        </p:nvSpPr>
+        <p:spPr>
+          <a:xfrm>
+            <a:off x="7389180" y="5736687"/>
+            <a:ext cx="337917" cy="307777"/>
+          </a:xfrm>
+          <a:prstGeom prst="rect">
+            <a:avLst/>
+          </a:prstGeom>
+          <a:noFill/>
+        </p:spPr>
+        <p:txBody>
+          <a:bodyPr wrap="square" rtlCol="0">
+            <a:spAutoFit/>
+          </a:bodyPr>
+          <a:lstStyle/>
+          <a:p>
+            <a:r>
+              <a:rPr lang="de-DE" sz="1400" dirty="0"/>
+              <a:t>X</a:t>
+            </a:r>
+          </a:p>
+        </p:txBody>
+      </p:sp>
+      <p:sp>
+        <p:nvSpPr>
+          <p:cNvPr id="44" name="Rechteck 43">
+            <a:extLst>
+              <a:ext uri="{FF2B5EF4-FFF2-40B4-BE49-F238E27FC236}">
+                <a16:creationId xmlns:a16="http://schemas.microsoft.com/office/drawing/2014/main" id="{2723BDB7-AAE2-4067-81A0-F30B5FDD6CC1}"/>
+              </a:ext>
+            </a:extLst>
+          </p:cNvPr>
+          <p:cNvSpPr/>
+          <p:nvPr/>
+        </p:nvSpPr>
+        <p:spPr>
+          <a:xfrm>
+            <a:off x="7319755" y="4778693"/>
+            <a:ext cx="373915" cy="308744"/>
+          </a:xfrm>
+          <a:prstGeom prst="rect">
+            <a:avLst/>
+          </a:prstGeom>
+        </p:spPr>
+        <p:style>
+          <a:lnRef idx="2">
+            <a:schemeClr val="accent1">
+              <a:shade val="50000"/>
+            </a:schemeClr>
+          </a:lnRef>
+          <a:fillRef idx="1">
+            <a:schemeClr val="accent1"/>
+          </a:fillRef>
+          <a:effectRef idx="0">
+            <a:schemeClr val="accent1"/>
+          </a:effectRef>
+          <a:fontRef idx="minor">
+            <a:schemeClr val="lt1"/>
+          </a:fontRef>
+        </p:style>
+        <p:txBody>
+          <a:bodyPr rtlCol="0" anchor="ctr"/>
+          <a:lstStyle/>
+          <a:p>
+            <a:pPr algn="ctr"/>
+            <a:endParaRPr lang="de-DE" dirty="0"/>
+          </a:p>
+        </p:txBody>
+      </p:sp>
+      <p:sp>
+        <p:nvSpPr>
+          <p:cNvPr id="45" name="Textfeld 44">
+            <a:extLst>
+              <a:ext uri="{FF2B5EF4-FFF2-40B4-BE49-F238E27FC236}">
+                <a16:creationId xmlns:a16="http://schemas.microsoft.com/office/drawing/2014/main" id="{951BD91B-F232-446A-842D-9A448FE42552}"/>
+              </a:ext>
+            </a:extLst>
+          </p:cNvPr>
+          <p:cNvSpPr txBox="1"/>
+          <p:nvPr/>
+        </p:nvSpPr>
+        <p:spPr>
+          <a:xfrm>
+            <a:off x="7371132" y="4787677"/>
+            <a:ext cx="337917" cy="307777"/>
+          </a:xfrm>
+          <a:prstGeom prst="rect">
+            <a:avLst/>
+          </a:prstGeom>
+          <a:noFill/>
+        </p:spPr>
+        <p:txBody>
+          <a:bodyPr wrap="square" rtlCol="0">
+            <a:spAutoFit/>
+          </a:bodyPr>
+          <a:lstStyle/>
+          <a:p>
+            <a:r>
+              <a:rPr lang="de-DE" sz="1400" dirty="0"/>
+              <a:t>X</a:t>
+            </a:r>
+          </a:p>
+        </p:txBody>
+      </p:sp>
     </p:spTree>
     <p:extLst>
       <p:ext uri="{BB962C8B-B14F-4D97-AF65-F5344CB8AC3E}">
